--- a/PSI_36 Organización SI.pptx
+++ b/PSI_36 Organización SI.pptx
@@ -3284,7 +3284,11 @@
             <a:pPr algn="ctr"/>
             <a:r>
               <a:rPr lang="es-ES" dirty="0" smtClean="0"/>
-              <a:t>ORGANIZACIÓN SISTEMAS DE INFORMACION</a:t>
+              <a:t>SISTEMAS </a:t>
+            </a:r>
+            <a:r>
+              <a:rPr lang="es-ES" dirty="0" smtClean="0"/>
+              <a:t>DE INFORMACION</a:t>
             </a:r>
             <a:endParaRPr lang="es-ES" dirty="0"/>
           </a:p>
@@ -11785,18 +11789,18 @@
 </file>
 
 <file path=customXml/item2.xml><?xml version="1.0" encoding="utf-8"?>
+<p:properties xmlns:p="http://schemas.microsoft.com/office/2006/metadata/properties" xmlns:xsi="http://www.w3.org/2001/XMLSchema-instance">
+  <documentManagement/>
+</p:properties>
+</file>
+
+<file path=customXml/item3.xml><?xml version="1.0" encoding="utf-8"?>
 <?mso-contentType ?>
 <FormTemplates xmlns="http://schemas.microsoft.com/sharepoint/v3/contenttype/forms">
   <Display>DocumentLibraryForm</Display>
   <Edit>DocumentLibraryForm</Edit>
   <New>DocumentLibraryForm</New>
 </FormTemplates>
-</file>
-
-<file path=customXml/item3.xml><?xml version="1.0" encoding="utf-8"?>
-<p:properties xmlns:p="http://schemas.microsoft.com/office/2006/metadata/properties" xmlns:xsi="http://www.w3.org/2001/XMLSchema-instance">
-  <documentManagement/>
-</p:properties>
 </file>
 
 <file path=customXml/itemProps1.xml><?xml version="1.0" encoding="utf-8"?>
@@ -11815,14 +11819,6 @@
 </file>
 
 <file path=customXml/itemProps2.xml><?xml version="1.0" encoding="utf-8"?>
-<ds:datastoreItem xmlns:ds="http://schemas.openxmlformats.org/officeDocument/2006/customXml" ds:itemID="{2DBF3376-D4AF-4B26-9597-E04D965FF9C3}">
-  <ds:schemaRefs>
-    <ds:schemaRef ds:uri="http://schemas.microsoft.com/sharepoint/v3/contenttype/forms"/>
-  </ds:schemaRefs>
-</ds:datastoreItem>
-</file>
-
-<file path=customXml/itemProps3.xml><?xml version="1.0" encoding="utf-8"?>
 <ds:datastoreItem xmlns:ds="http://schemas.openxmlformats.org/officeDocument/2006/customXml" ds:itemID="{E3300ADB-5696-4B93-995A-83E7378E2813}">
   <ds:schemaRefs>
     <ds:schemaRef ds:uri="http://schemas.microsoft.com/office/2006/documentManagement/types"/>
@@ -11834,4 +11830,12 @@
     <ds:schemaRef ds:uri="http://purl.org/dc/elements/1.1/"/>
   </ds:schemaRefs>
 </ds:datastoreItem>
+</file>
+
+<file path=customXml/itemProps3.xml><?xml version="1.0" encoding="utf-8"?>
+<ds:datastoreItem xmlns:ds="http://schemas.openxmlformats.org/officeDocument/2006/customXml" ds:itemID="{2DBF3376-D4AF-4B26-9597-E04D965FF9C3}">
+  <ds:schemaRefs>
+    <ds:schemaRef ds:uri="http://schemas.microsoft.com/sharepoint/v3/contenttype/forms"/>
+  </ds:schemaRefs>
+</ds:datastoreItem>
 </file>
--- a/PSI_36 Organización SI.pptx
+++ b/PSI_36 Organización SI.pptx
@@ -3284,11 +3284,7 @@
             <a:pPr algn="ctr"/>
             <a:r>
               <a:rPr lang="es-ES" dirty="0" smtClean="0"/>
-              <a:t>SISTEMAS </a:t>
-            </a:r>
-            <a:r>
-              <a:rPr lang="es-ES" dirty="0" smtClean="0"/>
-              <a:t>DE INFORMACION</a:t>
+              <a:t>ORGANIZACIÓN SISTEMAS DE INFORMACION</a:t>
             </a:r>
             <a:endParaRPr lang="es-ES" dirty="0"/>
           </a:p>
@@ -11789,18 +11785,18 @@
 </file>
 
 <file path=customXml/item2.xml><?xml version="1.0" encoding="utf-8"?>
-<p:properties xmlns:p="http://schemas.microsoft.com/office/2006/metadata/properties" xmlns:xsi="http://www.w3.org/2001/XMLSchema-instance">
-  <documentManagement/>
-</p:properties>
-</file>
-
-<file path=customXml/item3.xml><?xml version="1.0" encoding="utf-8"?>
 <?mso-contentType ?>
 <FormTemplates xmlns="http://schemas.microsoft.com/sharepoint/v3/contenttype/forms">
   <Display>DocumentLibraryForm</Display>
   <Edit>DocumentLibraryForm</Edit>
   <New>DocumentLibraryForm</New>
 </FormTemplates>
+</file>
+
+<file path=customXml/item3.xml><?xml version="1.0" encoding="utf-8"?>
+<p:properties xmlns:p="http://schemas.microsoft.com/office/2006/metadata/properties" xmlns:xsi="http://www.w3.org/2001/XMLSchema-instance">
+  <documentManagement/>
+</p:properties>
 </file>
 
 <file path=customXml/itemProps1.xml><?xml version="1.0" encoding="utf-8"?>
@@ -11819,6 +11815,14 @@
 </file>
 
 <file path=customXml/itemProps2.xml><?xml version="1.0" encoding="utf-8"?>
+<ds:datastoreItem xmlns:ds="http://schemas.openxmlformats.org/officeDocument/2006/customXml" ds:itemID="{2DBF3376-D4AF-4B26-9597-E04D965FF9C3}">
+  <ds:schemaRefs>
+    <ds:schemaRef ds:uri="http://schemas.microsoft.com/sharepoint/v3/contenttype/forms"/>
+  </ds:schemaRefs>
+</ds:datastoreItem>
+</file>
+
+<file path=customXml/itemProps3.xml><?xml version="1.0" encoding="utf-8"?>
 <ds:datastoreItem xmlns:ds="http://schemas.openxmlformats.org/officeDocument/2006/customXml" ds:itemID="{E3300ADB-5696-4B93-995A-83E7378E2813}">
   <ds:schemaRefs>
     <ds:schemaRef ds:uri="http://schemas.microsoft.com/office/2006/documentManagement/types"/>
@@ -11830,12 +11834,4 @@
     <ds:schemaRef ds:uri="http://purl.org/dc/elements/1.1/"/>
   </ds:schemaRefs>
 </ds:datastoreItem>
-</file>
-
-<file path=customXml/itemProps3.xml><?xml version="1.0" encoding="utf-8"?>
-<ds:datastoreItem xmlns:ds="http://schemas.openxmlformats.org/officeDocument/2006/customXml" ds:itemID="{2DBF3376-D4AF-4B26-9597-E04D965FF9C3}">
-  <ds:schemaRefs>
-    <ds:schemaRef ds:uri="http://schemas.microsoft.com/sharepoint/v3/contenttype/forms"/>
-  </ds:schemaRefs>
-</ds:datastoreItem>
 </file>